--- a/项目展示PPT/展示与改进.pptx
+++ b/项目展示PPT/展示与改进.pptx
@@ -13,6 +13,7 @@
     <p:sldId id="261" r:id="rId7"/>
     <p:sldId id="263" r:id="rId8"/>
     <p:sldId id="258" r:id="rId9"/>
+    <p:sldId id="264" r:id="rId10"/>
   </p:sldIdLst>
   <p:sldSz cx="12192000" cy="6858000"/>
   <p:notesSz cx="6858000" cy="9144000"/>
@@ -113,7 +114,7 @@
   </p:defaultTextStyle>
   <p:extLst>
     <p:ext uri="{EFAFB233-063F-42B5-8137-9DF3F51BA10A}">
-      <p15:sldGuideLst xmlns:p15="http://schemas.microsoft.com/office/powerpoint/2012/main"/>
+      <p15:sldGuideLst xmlns:p15="http://schemas.microsoft.com/office/powerpoint/2012/main" xmlns=""/>
     </p:ext>
   </p:extLst>
 </p:presentation>
@@ -841,7 +842,7 @@
           <a:p>
             <a:fld id="{6A0E3FD0-8E3D-48C6-8EA4-7688BAAAC48E}" type="datetimeFigureOut">
               <a:rPr lang="zh-CN" altLang="en-US" smtClean="0"/>
-              <a:t>2016/4/29</a:t>
+              <a:t>2016/5/6</a:t>
             </a:fld>
             <a:endParaRPr lang="zh-CN" altLang="en-US"/>
           </a:p>
@@ -1092,7 +1093,7 @@
           <a:p>
             <a:fld id="{6A0E3FD0-8E3D-48C6-8EA4-7688BAAAC48E}" type="datetimeFigureOut">
               <a:rPr lang="zh-CN" altLang="en-US" smtClean="0"/>
-              <a:t>2016/4/29</a:t>
+              <a:t>2016/5/6</a:t>
             </a:fld>
             <a:endParaRPr lang="zh-CN" altLang="en-US"/>
           </a:p>
@@ -1406,7 +1407,7 @@
           <a:p>
             <a:fld id="{6A0E3FD0-8E3D-48C6-8EA4-7688BAAAC48E}" type="datetimeFigureOut">
               <a:rPr lang="zh-CN" altLang="en-US" smtClean="0"/>
-              <a:t>2016/4/29</a:t>
+              <a:t>2016/5/6</a:t>
             </a:fld>
             <a:endParaRPr lang="zh-CN" altLang="en-US"/>
           </a:p>
@@ -1747,7 +1748,7 @@
           <a:p>
             <a:fld id="{6A0E3FD0-8E3D-48C6-8EA4-7688BAAAC48E}" type="datetimeFigureOut">
               <a:rPr lang="zh-CN" altLang="en-US" smtClean="0"/>
-              <a:t>2016/4/29</a:t>
+              <a:t>2016/5/6</a:t>
             </a:fld>
             <a:endParaRPr lang="zh-CN" altLang="en-US"/>
           </a:p>
@@ -2061,7 +2062,7 @@
           <a:p>
             <a:fld id="{6A0E3FD0-8E3D-48C6-8EA4-7688BAAAC48E}" type="datetimeFigureOut">
               <a:rPr lang="zh-CN" altLang="en-US" smtClean="0"/>
-              <a:t>2016/4/29</a:t>
+              <a:t>2016/5/6</a:t>
             </a:fld>
             <a:endParaRPr lang="zh-CN" altLang="en-US"/>
           </a:p>
@@ -2454,7 +2455,7 @@
           <a:p>
             <a:fld id="{6A0E3FD0-8E3D-48C6-8EA4-7688BAAAC48E}" type="datetimeFigureOut">
               <a:rPr lang="zh-CN" altLang="en-US" smtClean="0"/>
-              <a:t>2016/4/29</a:t>
+              <a:t>2016/5/6</a:t>
             </a:fld>
             <a:endParaRPr lang="zh-CN" altLang="en-US"/>
           </a:p>
@@ -2624,7 +2625,7 @@
           <a:p>
             <a:fld id="{6A0E3FD0-8E3D-48C6-8EA4-7688BAAAC48E}" type="datetimeFigureOut">
               <a:rPr lang="zh-CN" altLang="en-US" smtClean="0"/>
-              <a:t>2016/4/29</a:t>
+              <a:t>2016/5/6</a:t>
             </a:fld>
             <a:endParaRPr lang="zh-CN" altLang="en-US"/>
           </a:p>
@@ -2804,7 +2805,7 @@
           <a:p>
             <a:fld id="{6A0E3FD0-8E3D-48C6-8EA4-7688BAAAC48E}" type="datetimeFigureOut">
               <a:rPr lang="zh-CN" altLang="en-US" smtClean="0"/>
-              <a:t>2016/4/29</a:t>
+              <a:t>2016/5/6</a:t>
             </a:fld>
             <a:endParaRPr lang="zh-CN" altLang="en-US"/>
           </a:p>
@@ -2980,7 +2981,7 @@
           <a:p>
             <a:fld id="{6A0E3FD0-8E3D-48C6-8EA4-7688BAAAC48E}" type="datetimeFigureOut">
               <a:rPr lang="zh-CN" altLang="en-US" smtClean="0"/>
-              <a:t>2016/4/29</a:t>
+              <a:t>2016/5/6</a:t>
             </a:fld>
             <a:endParaRPr lang="zh-CN" altLang="en-US"/>
           </a:p>
@@ -3227,7 +3228,7 @@
           <a:p>
             <a:fld id="{6A0E3FD0-8E3D-48C6-8EA4-7688BAAAC48E}" type="datetimeFigureOut">
               <a:rPr lang="zh-CN" altLang="en-US" smtClean="0"/>
-              <a:t>2016/4/29</a:t>
+              <a:t>2016/5/6</a:t>
             </a:fld>
             <a:endParaRPr lang="zh-CN" altLang="en-US"/>
           </a:p>
@@ -3459,7 +3460,7 @@
           <a:p>
             <a:fld id="{6A0E3FD0-8E3D-48C6-8EA4-7688BAAAC48E}" type="datetimeFigureOut">
               <a:rPr lang="zh-CN" altLang="en-US" smtClean="0"/>
-              <a:t>2016/4/29</a:t>
+              <a:t>2016/5/6</a:t>
             </a:fld>
             <a:endParaRPr lang="zh-CN" altLang="en-US"/>
           </a:p>
@@ -3833,7 +3834,7 @@
           <a:p>
             <a:fld id="{6A0E3FD0-8E3D-48C6-8EA4-7688BAAAC48E}" type="datetimeFigureOut">
               <a:rPr lang="zh-CN" altLang="en-US" smtClean="0"/>
-              <a:t>2016/4/29</a:t>
+              <a:t>2016/5/6</a:t>
             </a:fld>
             <a:endParaRPr lang="zh-CN" altLang="en-US"/>
           </a:p>
@@ -3956,7 +3957,7 @@
           <a:p>
             <a:fld id="{6A0E3FD0-8E3D-48C6-8EA4-7688BAAAC48E}" type="datetimeFigureOut">
               <a:rPr lang="zh-CN" altLang="en-US" smtClean="0"/>
-              <a:t>2016/4/29</a:t>
+              <a:t>2016/5/6</a:t>
             </a:fld>
             <a:endParaRPr lang="zh-CN" altLang="en-US"/>
           </a:p>
@@ -4051,7 +4052,7 @@
           <a:p>
             <a:fld id="{6A0E3FD0-8E3D-48C6-8EA4-7688BAAAC48E}" type="datetimeFigureOut">
               <a:rPr lang="zh-CN" altLang="en-US" smtClean="0"/>
-              <a:t>2016/4/29</a:t>
+              <a:t>2016/5/6</a:t>
             </a:fld>
             <a:endParaRPr lang="zh-CN" altLang="en-US"/>
           </a:p>
@@ -4306,7 +4307,7 @@
           <a:p>
             <a:fld id="{6A0E3FD0-8E3D-48C6-8EA4-7688BAAAC48E}" type="datetimeFigureOut">
               <a:rPr lang="zh-CN" altLang="en-US" smtClean="0"/>
-              <a:t>2016/4/29</a:t>
+              <a:t>2016/5/6</a:t>
             </a:fld>
             <a:endParaRPr lang="zh-CN" altLang="en-US"/>
           </a:p>
@@ -4569,7 +4570,7 @@
           <a:p>
             <a:fld id="{6A0E3FD0-8E3D-48C6-8EA4-7688BAAAC48E}" type="datetimeFigureOut">
               <a:rPr lang="zh-CN" altLang="en-US" smtClean="0"/>
-              <a:t>2016/4/29</a:t>
+              <a:t>2016/5/6</a:t>
             </a:fld>
             <a:endParaRPr lang="zh-CN" altLang="en-US"/>
           </a:p>
@@ -5312,7 +5313,7 @@
           <a:p>
             <a:fld id="{6A0E3FD0-8E3D-48C6-8EA4-7688BAAAC48E}" type="datetimeFigureOut">
               <a:rPr lang="zh-CN" altLang="en-US" smtClean="0"/>
-              <a:t>2016/4/29</a:t>
+              <a:t>2016/5/6</a:t>
             </a:fld>
             <a:endParaRPr lang="zh-CN" altLang="en-US"/>
           </a:p>
@@ -5846,13 +5847,19 @@
             <p:ph type="ctrTitle"/>
           </p:nvPr>
         </p:nvSpPr>
-        <p:spPr/>
+        <p:spPr>
+          <a:xfrm>
+            <a:off x="870858" y="1838477"/>
+            <a:ext cx="8781142" cy="1646302"/>
+          </a:xfrm>
+        </p:spPr>
         <p:txBody>
           <a:bodyPr>
             <a:normAutofit fontScale="90000"/>
           </a:bodyPr>
           <a:lstStyle/>
           <a:p>
+            <a:pPr algn="ctr"/>
             <a:r>
               <a:rPr lang="zh-CN" altLang="en-US" dirty="0" smtClean="0"/>
               <a:t>基于</a:t>
@@ -5879,15 +5886,23 @@
             </a:r>
             <a:r>
               <a:rPr lang="zh-CN" altLang="en-US" dirty="0" smtClean="0"/>
-              <a:t>桌面应用</a:t>
+              <a:t>桌面</a:t>
+            </a:r>
+            <a:r>
+              <a:rPr lang="zh-CN" altLang="en-US" dirty="0" smtClean="0"/>
+              <a:t>应用</a:t>
             </a:r>
             <a:r>
               <a:rPr lang="en-US" altLang="zh-CN" dirty="0" smtClean="0"/>
-              <a:t>—</a:t>
+              <a:t>——</a:t>
             </a:r>
             <a:r>
               <a:rPr lang="zh-CN" altLang="en-US" dirty="0" smtClean="0"/>
-              <a:t>改进与展示</a:t>
+              <a:t>改进</a:t>
+            </a:r>
+            <a:r>
+              <a:rPr lang="zh-CN" altLang="en-US" dirty="0" smtClean="0"/>
+              <a:t>与展示</a:t>
             </a:r>
             <a:endParaRPr lang="zh-CN" altLang="en-US" dirty="0"/>
           </a:p>
@@ -5959,30 +5974,40 @@
             </a:r>
             <a:r>
               <a:rPr lang="en-US" altLang="zh-CN" dirty="0" smtClean="0"/>
-              <a:t>                            SY1506106   </a:t>
-            </a:r>
-            <a:r>
-              <a:rPr lang="zh-CN" altLang="en-US" dirty="0"/>
+              <a:t>                  </a:t>
+            </a:r>
+            <a:r>
+              <a:rPr lang="en-US" altLang="zh-CN" dirty="0" smtClean="0"/>
+              <a:t>          </a:t>
+            </a:r>
+            <a:r>
+              <a:rPr lang="en-US" altLang="zh-CN" dirty="0" smtClean="0"/>
+              <a:t>SY1506106   </a:t>
+            </a:r>
+            <a:r>
+              <a:rPr lang="zh-CN" altLang="en-US" dirty="0" smtClean="0"/>
               <a:t>詹鹏飞</a:t>
             </a:r>
             <a:r>
+              <a:rPr lang="en-US" altLang="zh-CN" dirty="0" smtClean="0"/>
+              <a:t>	</a:t>
+            </a:r>
+            <a:endParaRPr lang="en-US" altLang="zh-CN" dirty="0"/>
+          </a:p>
+          <a:p>
+            <a:r>
               <a:rPr lang="en-US" altLang="zh-CN" dirty="0"/>
-              <a:t>	</a:t>
-            </a:r>
-          </a:p>
-          <a:p>
-            <a:r>
-              <a:rPr lang="en-US" altLang="zh-CN" dirty="0"/>
-              <a:t>        </a:t>
+              <a:t>       </a:t>
             </a:r>
             <a:r>
               <a:rPr lang="en-US" altLang="zh-CN" dirty="0" smtClean="0"/>
-              <a:t> SY1506114   </a:t>
-            </a:r>
-            <a:r>
-              <a:rPr lang="zh-CN" altLang="en-US" dirty="0"/>
-              <a:t>陈阳</a:t>
-            </a:r>
+              <a:t>SY1506114   </a:t>
+            </a:r>
+            <a:r>
+              <a:rPr lang="zh-CN" altLang="en-US" dirty="0" smtClean="0"/>
+              <a:t>陈    阳</a:t>
+            </a:r>
+            <a:endParaRPr lang="zh-CN" altLang="en-US" dirty="0"/>
           </a:p>
         </p:txBody>
       </p:sp>
@@ -6058,32 +6083,48 @@
         </p:nvSpPr>
         <p:spPr/>
         <p:txBody>
-          <a:bodyPr/>
-          <a:lstStyle/>
-          <a:p>
-            <a:r>
-              <a:rPr lang="zh-CN" altLang="en-US" dirty="0" smtClean="0"/>
-              <a:t>本周工作情况总结</a:t>
-            </a:r>
-            <a:endParaRPr lang="en-US" altLang="zh-CN" dirty="0" smtClean="0"/>
-          </a:p>
-          <a:p>
-            <a:r>
-              <a:rPr lang="zh-CN" altLang="en-US" dirty="0"/>
+          <a:bodyPr>
+            <a:normAutofit/>
+          </a:bodyPr>
+          <a:lstStyle/>
+          <a:p>
+            <a:r>
+              <a:rPr lang="zh-CN" altLang="en-US" sz="2800" dirty="0" smtClean="0"/>
+              <a:t>本周工作情况</a:t>
+            </a:r>
+            <a:r>
+              <a:rPr lang="zh-CN" altLang="en-US" sz="2800" dirty="0" smtClean="0"/>
+              <a:t>总结</a:t>
+            </a:r>
+            <a:endParaRPr lang="en-US" altLang="zh-CN" sz="2800" dirty="0" smtClean="0"/>
+          </a:p>
+          <a:p>
+            <a:endParaRPr lang="en-US" altLang="zh-CN" sz="2800" dirty="0" smtClean="0"/>
+          </a:p>
+          <a:p>
+            <a:r>
+              <a:rPr lang="zh-CN" altLang="en-US" sz="2800" dirty="0"/>
               <a:t>遇到</a:t>
             </a:r>
             <a:r>
-              <a:rPr lang="zh-CN" altLang="en-US" dirty="0" smtClean="0"/>
-              <a:t>的问题</a:t>
-            </a:r>
-            <a:endParaRPr lang="en-US" altLang="zh-CN" dirty="0" smtClean="0"/>
-          </a:p>
-          <a:p>
-            <a:r>
-              <a:rPr lang="zh-CN" altLang="en-US" dirty="0" smtClean="0"/>
+              <a:rPr lang="zh-CN" altLang="en-US" sz="2800" dirty="0" smtClean="0"/>
+              <a:t>的</a:t>
+            </a:r>
+            <a:r>
+              <a:rPr lang="zh-CN" altLang="en-US" sz="2800" dirty="0" smtClean="0"/>
+              <a:t>问题</a:t>
+            </a:r>
+            <a:endParaRPr lang="en-US" altLang="zh-CN" sz="2800" dirty="0" smtClean="0"/>
+          </a:p>
+          <a:p>
+            <a:endParaRPr lang="en-US" altLang="zh-CN" sz="2800" dirty="0" smtClean="0"/>
+          </a:p>
+          <a:p>
+            <a:r>
+              <a:rPr lang="zh-CN" altLang="en-US" sz="2800" dirty="0" smtClean="0"/>
               <a:t>下周工作重点</a:t>
             </a:r>
-            <a:endParaRPr lang="zh-CN" altLang="en-US" dirty="0"/>
+            <a:endParaRPr lang="zh-CN" altLang="en-US" sz="2800" dirty="0"/>
           </a:p>
         </p:txBody>
       </p:sp>
@@ -6168,57 +6209,72 @@
         </p:spPr>
         <p:txBody>
           <a:bodyPr>
-            <a:normAutofit fontScale="70000" lnSpcReduction="20000"/>
+            <a:normAutofit fontScale="85000" lnSpcReduction="10000"/>
           </a:bodyPr>
           <a:lstStyle/>
           <a:p>
-            <a:r>
-              <a:rPr lang="zh-CN" altLang="en-US" sz="5400" dirty="0"/>
+            <a:pPr>
+              <a:lnSpc>
+                <a:spcPct val="150000"/>
+              </a:lnSpc>
+            </a:pPr>
+            <a:r>
+              <a:rPr lang="zh-CN" altLang="en-US" sz="3200" dirty="0"/>
               <a:t>本周我们主要的工作是完成了对开源软件源代码的编译过程</a:t>
             </a:r>
-            <a:endParaRPr lang="en-US" altLang="zh-CN" sz="5400" dirty="0"/>
-          </a:p>
-          <a:p>
-            <a:r>
-              <a:rPr lang="zh-CN" altLang="en-US" sz="5400" dirty="0"/>
+            <a:endParaRPr lang="en-US" altLang="zh-CN" sz="3200" dirty="0"/>
+          </a:p>
+          <a:p>
+            <a:pPr>
+              <a:lnSpc>
+                <a:spcPct val="150000"/>
+              </a:lnSpc>
+            </a:pPr>
+            <a:r>
+              <a:rPr lang="zh-CN" altLang="en-US" sz="3200" dirty="0"/>
               <a:t>编译中遇到的主要问题如下：</a:t>
             </a:r>
-            <a:endParaRPr lang="en-US" altLang="zh-CN" sz="5400" dirty="0"/>
-          </a:p>
-          <a:p>
-            <a:r>
-              <a:rPr lang="en-US" altLang="zh-CN" sz="5400" dirty="0"/>
-              <a:t>1.</a:t>
-            </a:r>
-            <a:r>
-              <a:rPr lang="zh-CN" altLang="en-US" sz="5400" dirty="0"/>
-              <a:t>其项目使用</a:t>
-            </a:r>
-            <a:r>
-              <a:rPr lang="en-US" altLang="zh-CN" sz="5400" dirty="0"/>
+            <a:endParaRPr lang="en-US" altLang="zh-CN" sz="3200" dirty="0"/>
+          </a:p>
+          <a:p>
+            <a:pPr lvl="1">
+              <a:lnSpc>
+                <a:spcPct val="150000"/>
+              </a:lnSpc>
+            </a:pPr>
+            <a:r>
+              <a:rPr lang="zh-CN" altLang="en-US" sz="3000" dirty="0" smtClean="0"/>
+              <a:t>其</a:t>
+            </a:r>
+            <a:r>
+              <a:rPr lang="zh-CN" altLang="en-US" sz="3000" dirty="0"/>
+              <a:t>项目使用</a:t>
+            </a:r>
+            <a:r>
+              <a:rPr lang="en-US" altLang="zh-CN" sz="3000" dirty="0"/>
               <a:t>apache-ant</a:t>
             </a:r>
             <a:r>
-              <a:rPr lang="zh-CN" altLang="en-US" sz="5400" dirty="0"/>
+              <a:rPr lang="zh-CN" altLang="en-US" sz="3000" dirty="0"/>
               <a:t>构建，我们在学习了</a:t>
             </a:r>
             <a:r>
-              <a:rPr lang="en-US" altLang="zh-CN" sz="5400" dirty="0"/>
+              <a:rPr lang="en-US" altLang="zh-CN" sz="3000" dirty="0"/>
               <a:t>apache-ant</a:t>
             </a:r>
             <a:r>
-              <a:rPr lang="zh-CN" altLang="en-US" sz="5400" dirty="0"/>
+              <a:rPr lang="zh-CN" altLang="en-US" sz="3000" dirty="0"/>
               <a:t>之后，在对源码编译的过程中发现其</a:t>
             </a:r>
             <a:r>
-              <a:rPr lang="en-US" altLang="zh-CN" sz="5400" dirty="0"/>
+              <a:rPr lang="en-US" altLang="zh-CN" sz="3000" dirty="0"/>
               <a:t>bulid.xml</a:t>
             </a:r>
             <a:r>
-              <a:rPr lang="zh-CN" altLang="en-US" sz="5400" dirty="0"/>
+              <a:rPr lang="zh-CN" altLang="en-US" sz="3000" dirty="0"/>
               <a:t>文件有缺陷，根本无法执行。缺少必要的执行环境，同时代码本身有缺陷，有一部分该写的没写。</a:t>
             </a:r>
-            <a:endParaRPr lang="en-US" altLang="zh-CN" sz="5400" dirty="0"/>
+            <a:endParaRPr lang="en-US" altLang="zh-CN" sz="3000" dirty="0"/>
           </a:p>
           <a:p>
             <a:endParaRPr lang="zh-CN" altLang="en-US" sz="5400" dirty="0"/>
@@ -6373,7 +6429,7 @@
         </p:nvSpPr>
         <p:spPr>
           <a:xfrm>
-            <a:off x="677334" y="609600"/>
+            <a:off x="648305" y="1422400"/>
             <a:ext cx="8596668" cy="4918364"/>
           </a:xfrm>
         </p:spPr>
@@ -6411,11 +6467,7 @@
             </a:br>
             <a:r>
               <a:rPr lang="zh-CN" altLang="en-US" dirty="0" smtClean="0"/>
-              <a:t>图中后三个路径是</a:t>
-            </a:r>
-            <a:r>
-              <a:rPr lang="zh-CN" altLang="en-US" dirty="0" smtClean="0"/>
-              <a:t>我们通过对源码的分析</a:t>
+              <a:t>图中后三个路径是我们通过对源码的分析</a:t>
             </a:r>
             <a:r>
               <a:rPr lang="en-US" altLang="zh-CN" dirty="0" smtClean="0"/>
@@ -6423,11 +6475,7 @@
             </a:r>
             <a:r>
               <a:rPr lang="zh-CN" altLang="en-US" dirty="0" smtClean="0"/>
-              <a:t>自己</a:t>
-            </a:r>
-            <a:r>
-              <a:rPr lang="zh-CN" altLang="en-US" dirty="0" smtClean="0"/>
-              <a:t>添加上去的</a:t>
+              <a:t>自己添加上去的</a:t>
             </a:r>
             <a:endParaRPr lang="zh-CN" altLang="en-US" dirty="0"/>
           </a:p>
@@ -6451,8 +6499,8 @@
         </p:blipFill>
         <p:spPr>
           <a:xfrm>
-            <a:off x="677334" y="609600"/>
-            <a:ext cx="5543550" cy="1704975"/>
+            <a:off x="677333" y="609600"/>
+            <a:ext cx="7508723" cy="2309384"/>
           </a:xfrm>
           <a:prstGeom prst="rect">
             <a:avLst/>
@@ -6525,79 +6573,49 @@
             <p:ph idx="1"/>
           </p:nvPr>
         </p:nvSpPr>
-        <p:spPr/>
+        <p:spPr>
+          <a:xfrm>
+            <a:off x="677334" y="2160589"/>
+            <a:ext cx="8596668" cy="3970388"/>
+          </a:xfrm>
+        </p:spPr>
         <p:txBody>
           <a:bodyPr/>
           <a:lstStyle/>
           <a:p>
-            <a:r>
-              <a:rPr lang="zh-CN" altLang="en-US" dirty="0"/>
+            <a:pPr>
+              <a:lnSpc>
+                <a:spcPct val="150000"/>
+              </a:lnSpc>
+            </a:pPr>
+            <a:r>
+              <a:rPr lang="zh-CN" altLang="en-US" sz="2400" dirty="0"/>
               <a:t>于是我们在详细分析了源代码之间的结构后，重新对其</a:t>
             </a:r>
             <a:r>
-              <a:rPr lang="en-US" altLang="zh-CN" dirty="0"/>
+              <a:rPr lang="en-US" altLang="zh-CN" sz="2400" dirty="0"/>
               <a:t>build.xml</a:t>
             </a:r>
             <a:r>
-              <a:rPr lang="zh-CN" altLang="en-US" dirty="0"/>
+              <a:rPr lang="zh-CN" altLang="en-US" sz="2400" dirty="0"/>
               <a:t>做了修改，随后编译</a:t>
             </a:r>
             <a:r>
-              <a:rPr lang="zh-CN" altLang="en-US" dirty="0" smtClean="0"/>
+              <a:rPr lang="zh-CN" altLang="en-US" sz="2400" dirty="0" smtClean="0"/>
               <a:t>成功</a:t>
             </a:r>
-            <a:endParaRPr lang="en-US" altLang="zh-CN" dirty="0" smtClean="0"/>
+            <a:endParaRPr lang="en-US" altLang="zh-CN" sz="2400" dirty="0" smtClean="0"/>
           </a:p>
           <a:p>
             <a:endParaRPr lang="en-US" altLang="zh-CN" dirty="0"/>
           </a:p>
           <a:p>
-            <a:endParaRPr lang="zh-CN" altLang="en-US" dirty="0"/>
-          </a:p>
-          <a:p>
+            <a:pPr marL="0" indent="0">
+              <a:buNone/>
+            </a:pPr>
             <a:r>
               <a:rPr lang="en-US" altLang="zh-CN" dirty="0" smtClean="0"/>
-              <a:t>                                                          </a:t>
-            </a:r>
-            <a:r>
-              <a:rPr lang="en-US" altLang="zh-CN" dirty="0" err="1" smtClean="0"/>
-              <a:t>bulid</a:t>
-            </a:r>
-            <a:r>
-              <a:rPr lang="zh-CN" altLang="en-US" dirty="0" smtClean="0"/>
-              <a:t>依赖于</a:t>
-            </a:r>
-            <a:r>
-              <a:rPr lang="en-US" altLang="zh-CN" dirty="0" err="1" smtClean="0"/>
-              <a:t>contrib</a:t>
-            </a:r>
-            <a:r>
-              <a:rPr lang="en-US" altLang="zh-CN" dirty="0" smtClean="0"/>
-              <a:t>,</a:t>
-            </a:r>
-            <a:r>
-              <a:rPr lang="zh-CN" altLang="en-US" dirty="0" smtClean="0"/>
-              <a:t>要先编译</a:t>
-            </a:r>
-            <a:r>
-              <a:rPr lang="en-US" altLang="zh-CN" dirty="0" err="1" smtClean="0"/>
-              <a:t>contrib</a:t>
-            </a:r>
-            <a:r>
-              <a:rPr lang="en-US" altLang="zh-CN" dirty="0" smtClean="0"/>
-              <a:t>,</a:t>
-            </a:r>
-            <a:r>
-              <a:rPr lang="zh-CN" altLang="en-US" dirty="0" smtClean="0"/>
-              <a:t>再                      编译                                                   编译</a:t>
-            </a:r>
-            <a:r>
-              <a:rPr lang="en-US" altLang="zh-CN" dirty="0" smtClean="0"/>
-              <a:t>build,</a:t>
-            </a:r>
-            <a:r>
-              <a:rPr lang="zh-CN" altLang="en-US" dirty="0" smtClean="0"/>
-              <a:t>否则会提示错误</a:t>
+              <a:t>              </a:t>
             </a:r>
             <a:endParaRPr lang="zh-CN" altLang="en-US" dirty="0"/>
           </a:p>
@@ -6619,7 +6637,7 @@
         </p:blipFill>
         <p:spPr>
           <a:xfrm>
-            <a:off x="677334" y="2844944"/>
+            <a:off x="560744" y="3398425"/>
             <a:ext cx="4241030" cy="2613747"/>
           </a:xfrm>
           <a:prstGeom prst="rect">
@@ -6627,6 +6645,78 @@
           </a:prstGeom>
         </p:spPr>
       </p:pic>
+      <p:sp>
+        <p:nvSpPr>
+          <p:cNvPr id="5" name="TextBox 4"/>
+          <p:cNvSpPr txBox="1"/>
+          <p:nvPr/>
+        </p:nvSpPr>
+        <p:spPr>
+          <a:xfrm>
+            <a:off x="4946753" y="3398425"/>
+            <a:ext cx="4437089" cy="984885"/>
+          </a:xfrm>
+          <a:prstGeom prst="rect">
+            <a:avLst/>
+          </a:prstGeom>
+          <a:noFill/>
+        </p:spPr>
+        <p:txBody>
+          <a:bodyPr wrap="square" rtlCol="0">
+            <a:spAutoFit/>
+          </a:bodyPr>
+          <a:lstStyle/>
+          <a:p>
+            <a:r>
+              <a:rPr lang="en-US" altLang="zh-CN" sz="2000" dirty="0" err="1"/>
+              <a:t>bulid</a:t>
+            </a:r>
+            <a:r>
+              <a:rPr lang="zh-CN" altLang="en-US" sz="2000" dirty="0"/>
+              <a:t>依赖于</a:t>
+            </a:r>
+            <a:r>
+              <a:rPr lang="en-US" altLang="zh-CN" sz="2000" dirty="0" err="1"/>
+              <a:t>contrib</a:t>
+            </a:r>
+            <a:r>
+              <a:rPr lang="en-US" altLang="zh-CN" sz="2000" dirty="0"/>
+              <a:t>,</a:t>
+            </a:r>
+            <a:r>
+              <a:rPr lang="zh-CN" altLang="en-US" sz="2000" dirty="0"/>
+              <a:t>要先编译</a:t>
+            </a:r>
+            <a:r>
+              <a:rPr lang="en-US" altLang="zh-CN" sz="2000" dirty="0" err="1"/>
+              <a:t>contrib</a:t>
+            </a:r>
+            <a:r>
+              <a:rPr lang="en-US" altLang="zh-CN" sz="2000" dirty="0" smtClean="0"/>
+              <a:t>,</a:t>
+            </a:r>
+            <a:r>
+              <a:rPr lang="zh-CN" altLang="en-US" sz="2000" dirty="0"/>
+              <a:t>再</a:t>
+            </a:r>
+            <a:r>
+              <a:rPr lang="zh-CN" altLang="en-US" sz="2000" dirty="0" smtClean="0"/>
+              <a:t>编译</a:t>
+            </a:r>
+            <a:r>
+              <a:rPr lang="en-US" altLang="zh-CN" sz="2000" dirty="0"/>
+              <a:t>build,</a:t>
+            </a:r>
+            <a:r>
+              <a:rPr lang="zh-CN" altLang="en-US" sz="2000" dirty="0"/>
+              <a:t>否则会提示错误</a:t>
+            </a:r>
+          </a:p>
+          <a:p>
+            <a:endParaRPr lang="zh-CN" altLang="en-US" dirty="0"/>
+          </a:p>
+        </p:txBody>
+      </p:sp>
     </p:spTree>
     <p:extLst>
       <p:ext uri="{BB962C8B-B14F-4D97-AF65-F5344CB8AC3E}">
@@ -6701,13 +6791,23 @@
             <p:ph idx="1"/>
           </p:nvPr>
         </p:nvSpPr>
-        <p:spPr/>
+        <p:spPr>
+          <a:xfrm>
+            <a:off x="648306" y="1725160"/>
+            <a:ext cx="8596668" cy="3880773"/>
+          </a:xfrm>
+        </p:spPr>
         <p:txBody>
           <a:bodyPr>
             <a:normAutofit/>
           </a:bodyPr>
           <a:lstStyle/>
           <a:p>
+            <a:pPr>
+              <a:lnSpc>
+                <a:spcPct val="150000"/>
+              </a:lnSpc>
+            </a:pPr>
             <a:r>
               <a:rPr lang="zh-CN" altLang="en-US" sz="2800" dirty="0"/>
               <a:t>在编译成功之后，我们尝试着使用该软件，发现其有一点不足：只能打开自己的</a:t>
@@ -6731,9 +6831,19 @@
             <a:endParaRPr lang="en-US" altLang="zh-CN" sz="2800" dirty="0" smtClean="0"/>
           </a:p>
           <a:p>
+            <a:pPr>
+              <a:lnSpc>
+                <a:spcPct val="150000"/>
+              </a:lnSpc>
+            </a:pPr>
             <a:endParaRPr lang="en-US" altLang="zh-CN" sz="2800" dirty="0" smtClean="0"/>
           </a:p>
           <a:p>
+            <a:pPr>
+              <a:lnSpc>
+                <a:spcPct val="150000"/>
+              </a:lnSpc>
+            </a:pPr>
             <a:r>
               <a:rPr lang="zh-CN" altLang="en-US" sz="2800" dirty="0"/>
               <a:t>原软件只能保存为</a:t>
@@ -6820,10 +6930,15 @@
             <p:ph idx="1"/>
           </p:nvPr>
         </p:nvSpPr>
-        <p:spPr/>
+        <p:spPr>
+          <a:xfrm>
+            <a:off x="619277" y="1550989"/>
+            <a:ext cx="8596668" cy="3880773"/>
+          </a:xfrm>
+        </p:spPr>
         <p:txBody>
           <a:bodyPr>
-            <a:normAutofit/>
+            <a:normAutofit fontScale="92500" lnSpcReduction="20000"/>
           </a:bodyPr>
           <a:lstStyle/>
           <a:p>
@@ -6833,6 +6948,11 @@
             <a:endParaRPr lang="en-US" altLang="zh-CN" sz="2400" dirty="0" smtClean="0"/>
           </a:p>
           <a:p>
+            <a:pPr>
+              <a:lnSpc>
+                <a:spcPct val="150000"/>
+              </a:lnSpc>
+            </a:pPr>
             <a:r>
               <a:rPr lang="en-US" altLang="zh-CN" sz="3200" dirty="0" smtClean="0"/>
               <a:t>1.</a:t>
@@ -6883,6 +7003,11 @@
             </a:r>
           </a:p>
           <a:p>
+            <a:pPr>
+              <a:lnSpc>
+                <a:spcPct val="150000"/>
+              </a:lnSpc>
+            </a:pPr>
             <a:r>
               <a:rPr lang="en-US" altLang="zh-CN" sz="3200" dirty="0" smtClean="0"/>
               <a:t>2.</a:t>
@@ -6910,6 +7035,11 @@
             <a:endParaRPr lang="en-US" altLang="zh-CN" sz="3200" dirty="0" smtClean="0"/>
           </a:p>
           <a:p>
+            <a:pPr>
+              <a:lnSpc>
+                <a:spcPct val="150000"/>
+              </a:lnSpc>
+            </a:pPr>
             <a:r>
               <a:rPr lang="en-US" altLang="zh-CN" sz="3200" dirty="0"/>
               <a:t>3</a:t>
@@ -6930,6 +7060,110 @@
     <p:extLst>
       <p:ext uri="{BB962C8B-B14F-4D97-AF65-F5344CB8AC3E}">
         <p14:creationId xmlns:p14="http://schemas.microsoft.com/office/powerpoint/2010/main" val="2620550197"/>
+      </p:ext>
+    </p:extLst>
+  </p:cSld>
+  <p:clrMapOvr>
+    <a:masterClrMapping/>
+  </p:clrMapOvr>
+  <p:timing>
+    <p:tnLst>
+      <p:par>
+        <p:cTn id="1" dur="indefinite" restart="never" nodeType="tmRoot"/>
+      </p:par>
+    </p:tnLst>
+  </p:timing>
+</p:sld>
+</file>
+
+<file path=ppt/slides/slide9.xml><?xml version="1.0" encoding="utf-8"?>
+<p:sld xmlns:a="http://schemas.openxmlformats.org/drawingml/2006/main" xmlns:r="http://schemas.openxmlformats.org/officeDocument/2006/relationships" xmlns:p="http://schemas.openxmlformats.org/presentationml/2006/main">
+  <p:cSld>
+    <p:spTree>
+      <p:nvGrpSpPr>
+        <p:cNvPr id="1" name=""/>
+        <p:cNvGrpSpPr/>
+        <p:nvPr/>
+      </p:nvGrpSpPr>
+      <p:grpSpPr>
+        <a:xfrm>
+          <a:off x="0" y="0"/>
+          <a:ext cx="0" cy="0"/>
+          <a:chOff x="0" y="0"/>
+          <a:chExt cx="0" cy="0"/>
+        </a:xfrm>
+      </p:grpSpPr>
+      <p:sp>
+        <p:nvSpPr>
+          <p:cNvPr id="4" name="矩形 3"/>
+          <p:cNvSpPr/>
+          <p:nvPr/>
+        </p:nvSpPr>
+        <p:spPr>
+          <a:xfrm>
+            <a:off x="3110887" y="2357735"/>
+            <a:ext cx="4407513" cy="923330"/>
+          </a:xfrm>
+          <a:prstGeom prst="rect">
+            <a:avLst/>
+          </a:prstGeom>
+          <a:noFill/>
+        </p:spPr>
+        <p:txBody>
+          <a:bodyPr wrap="square" lIns="91440" tIns="45720" rIns="91440" bIns="45720">
+            <a:spAutoFit/>
+          </a:bodyPr>
+          <a:lstStyle/>
+          <a:p>
+            <a:pPr algn="ctr"/>
+            <a:r>
+              <a:rPr lang="en-US" altLang="zh-CN" sz="5400" b="1" cap="none" spc="0" dirty="0" smtClean="0">
+                <a:ln w="18000">
+                  <a:solidFill>
+                    <a:schemeClr val="accent2">
+                      <a:satMod val="140000"/>
+                    </a:schemeClr>
+                  </a:solidFill>
+                  <a:prstDash val="solid"/>
+                  <a:miter lim="800000"/>
+                </a:ln>
+                <a:noFill/>
+                <a:effectLst>
+                  <a:outerShdw blurRad="25500" dist="23000" dir="7020000" algn="tl">
+                    <a:srgbClr val="000000">
+                      <a:alpha val="50000"/>
+                    </a:srgbClr>
+                  </a:outerShdw>
+                </a:effectLst>
+              </a:rPr>
+              <a:t>THE END</a:t>
+            </a:r>
+            <a:endParaRPr lang="zh-CN" altLang="en-US" sz="5400" b="1" cap="none" spc="0" dirty="0">
+              <a:ln w="18000">
+                <a:solidFill>
+                  <a:schemeClr val="accent2">
+                    <a:satMod val="140000"/>
+                  </a:schemeClr>
+                </a:solidFill>
+                <a:prstDash val="solid"/>
+                <a:miter lim="800000"/>
+              </a:ln>
+              <a:noFill/>
+              <a:effectLst>
+                <a:outerShdw blurRad="25500" dist="23000" dir="7020000" algn="tl">
+                  <a:srgbClr val="000000">
+                    <a:alpha val="50000"/>
+                  </a:srgbClr>
+                </a:outerShdw>
+              </a:effectLst>
+            </a:endParaRPr>
+          </a:p>
+        </p:txBody>
+      </p:sp>
+    </p:spTree>
+    <p:extLst>
+      <p:ext uri="{BB962C8B-B14F-4D97-AF65-F5344CB8AC3E}">
+        <p14:creationId xmlns:p14="http://schemas.microsoft.com/office/powerpoint/2010/main" val="2842542906"/>
       </p:ext>
     </p:extLst>
   </p:cSld>
@@ -6951,10 +7185,10 @@
   <a:themeElements>
     <a:clrScheme name="平面">
       <a:dk1>
-        <a:sysClr val="windowText" lastClr="323232"/>
+        <a:sysClr val="windowText" lastClr="000000"/>
       </a:dk1>
       <a:lt1>
-        <a:sysClr val="window" lastClr="CCE8CF"/>
+        <a:sysClr val="window" lastClr="FFFFFF"/>
       </a:lt1>
       <a:dk2>
         <a:srgbClr val="2C3C43"/>
@@ -7197,7 +7431,7 @@
   <a:extraClrSchemeLst/>
   <a:extLst>
     <a:ext uri="{05A4C25C-085E-4340-85A3-A5531E510DB2}">
-      <thm15:themeFamily xmlns:thm15="http://schemas.microsoft.com/office/thememl/2012/main" name="Facet" id="{C0C680CD-088A-49FC-A102-D699147F32B2}" vid="{CFBC31BA-B70F-4F30-BCAA-4F3011E16C4D}"/>
+      <thm15:themeFamily xmlns:thm15="http://schemas.microsoft.com/office/thememl/2012/main" xmlns="" name="Facet" id="{C0C680CD-088A-49FC-A102-D699147F32B2}" vid="{CFBC31BA-B70F-4F30-BCAA-4F3011E16C4D}"/>
     </a:ext>
   </a:extLst>
 </a:theme>
